--- a/figures/dist_comparison/dist_comp.pptx
+++ b/figures/dist_comparison/dist_comp.pptx
@@ -9,6 +9,8 @@
     <p:sldId id="256" r:id="rId4"/>
     <p:sldId id="257" r:id="rId5"/>
     <p:sldId id="258" r:id="rId6"/>
+    <p:sldId id="259" r:id="rId7"/>
+    <p:sldId id="260" r:id="rId8"/>
   </p:sldIdLst>
   <p:sldSz cx="12192000" cy="6858000"/>
   <p:notesSz cx="7772400" cy="10058400"/>
@@ -2715,8 +2717,8 @@
         </p:nvSpPr>
         <p:spPr>
           <a:xfrm>
-            <a:off x="838080" y="365040"/>
-            <a:ext cx="10514880" cy="1324800"/>
+            <a:off x="609480" y="273600"/>
+            <a:ext cx="10972080" cy="1144440"/>
           </a:xfrm>
           <a:prstGeom prst="rect">
             <a:avLst/>
@@ -2750,7 +2752,7 @@
         <p:spPr>
           <a:xfrm>
             <a:off x="609480" y="1604520"/>
-            <a:ext cx="10972440" cy="3977280"/>
+            <a:ext cx="10972080" cy="3976920"/>
           </a:xfrm>
           <a:prstGeom prst="rect">
             <a:avLst/>
@@ -2773,12 +2775,12 @@
               <a:buChar char=""/>
             </a:pPr>
             <a:r>
-              <a:rPr b="0" lang="en-US" sz="3200" spc="-1" strike="noStrike">
+              <a:rPr b="0" lang="en-US" sz="1800" spc="-1" strike="noStrike">
                 <a:latin typeface="Arial"/>
               </a:rPr>
               <a:t>Click to edit the outline text format</a:t>
             </a:r>
-            <a:endParaRPr b="0" lang="en-US" sz="3200" spc="-1" strike="noStrike">
+            <a:endParaRPr b="0" lang="en-US" sz="1800" spc="-1" strike="noStrike">
               <a:latin typeface="Arial"/>
             </a:endParaRPr>
           </a:p>
@@ -2795,12 +2797,12 @@
               <a:buChar char=""/>
             </a:pPr>
             <a:r>
-              <a:rPr b="0" lang="en-US" sz="2800" spc="-1" strike="noStrike">
+              <a:rPr b="0" lang="en-US" sz="1800" spc="-1" strike="noStrike">
                 <a:latin typeface="Arial"/>
               </a:rPr>
               <a:t>Second Outline Level</a:t>
             </a:r>
-            <a:endParaRPr b="0" lang="en-US" sz="2800" spc="-1" strike="noStrike">
+            <a:endParaRPr b="0" lang="en-US" sz="1800" spc="-1" strike="noStrike">
               <a:latin typeface="Arial"/>
             </a:endParaRPr>
           </a:p>
@@ -2817,12 +2819,12 @@
               <a:buChar char=""/>
             </a:pPr>
             <a:r>
-              <a:rPr b="0" lang="en-US" sz="2400" spc="-1" strike="noStrike">
+              <a:rPr b="0" lang="en-US" sz="1800" spc="-1" strike="noStrike">
                 <a:latin typeface="Arial"/>
               </a:rPr>
               <a:t>Third Outline Level</a:t>
             </a:r>
-            <a:endParaRPr b="0" lang="en-US" sz="2400" spc="-1" strike="noStrike">
+            <a:endParaRPr b="0" lang="en-US" sz="1800" spc="-1" strike="noStrike">
               <a:latin typeface="Arial"/>
             </a:endParaRPr>
           </a:p>
@@ -2839,12 +2841,12 @@
               <a:buChar char=""/>
             </a:pPr>
             <a:r>
-              <a:rPr b="0" lang="en-US" sz="2000" spc="-1" strike="noStrike">
+              <a:rPr b="0" lang="en-US" sz="1800" spc="-1" strike="noStrike">
                 <a:latin typeface="Arial"/>
               </a:rPr>
               <a:t>Fourth Outline Level</a:t>
             </a:r>
-            <a:endParaRPr b="0" lang="en-US" sz="2000" spc="-1" strike="noStrike">
+            <a:endParaRPr b="0" lang="en-US" sz="1800" spc="-1" strike="noStrike">
               <a:latin typeface="Arial"/>
             </a:endParaRPr>
           </a:p>
@@ -2861,12 +2863,12 @@
               <a:buChar char=""/>
             </a:pPr>
             <a:r>
-              <a:rPr b="0" lang="en-US" sz="2000" spc="-1" strike="noStrike">
+              <a:rPr b="0" lang="en-US" sz="1800" spc="-1" strike="noStrike">
                 <a:latin typeface="Arial"/>
               </a:rPr>
               <a:t>Fifth Outline Level</a:t>
             </a:r>
-            <a:endParaRPr b="0" lang="en-US" sz="2000" spc="-1" strike="noStrike">
+            <a:endParaRPr b="0" lang="en-US" sz="1800" spc="-1" strike="noStrike">
               <a:latin typeface="Arial"/>
             </a:endParaRPr>
           </a:p>
@@ -2883,12 +2885,12 @@
               <a:buChar char=""/>
             </a:pPr>
             <a:r>
-              <a:rPr b="0" lang="en-US" sz="2000" spc="-1" strike="noStrike">
+              <a:rPr b="0" lang="en-US" sz="1800" spc="-1" strike="noStrike">
                 <a:latin typeface="Arial"/>
               </a:rPr>
               <a:t>Sixth Outline Level</a:t>
             </a:r>
-            <a:endParaRPr b="0" lang="en-US" sz="2000" spc="-1" strike="noStrike">
+            <a:endParaRPr b="0" lang="en-US" sz="1800" spc="-1" strike="noStrike">
               <a:latin typeface="Arial"/>
             </a:endParaRPr>
           </a:p>
@@ -2905,12 +2907,12 @@
               <a:buChar char=""/>
             </a:pPr>
             <a:r>
-              <a:rPr b="0" lang="en-US" sz="2000" spc="-1" strike="noStrike">
+              <a:rPr b="0" lang="en-US" sz="1800" spc="-1" strike="noStrike">
                 <a:latin typeface="Arial"/>
               </a:rPr>
               <a:t>Seventh Outline Level</a:t>
             </a:r>
-            <a:endParaRPr b="0" lang="en-US" sz="2000" spc="-1" strike="noStrike">
+            <a:endParaRPr b="0" lang="en-US" sz="1800" spc="-1" strike="noStrike">
               <a:latin typeface="Arial"/>
             </a:endParaRPr>
           </a:p>
@@ -3220,7 +3222,7 @@
         <p:spPr>
           <a:xfrm>
             <a:off x="1606320" y="2119320"/>
-            <a:ext cx="9142920" cy="2386440"/>
+            <a:ext cx="9142560" cy="2386080"/>
           </a:xfrm>
           <a:prstGeom prst="rect">
             <a:avLst/>
@@ -3318,7 +3320,7 @@
         <p:spPr>
           <a:xfrm>
             <a:off x="838080" y="365040"/>
-            <a:ext cx="10514880" cy="1324800"/>
+            <a:ext cx="10514520" cy="1324440"/>
           </a:xfrm>
           <a:prstGeom prst="rect">
             <a:avLst/>
@@ -3348,6 +3350,7 @@
                   <a:srgbClr val="000000"/>
                 </a:solidFill>
                 <a:latin typeface="Calibri Light"/>
+                <a:ea typeface="DejaVu Sans"/>
               </a:rPr>
               <a:t>Impurity Momentum Magnitude Distribution</a:t>
             </a:r>
@@ -3369,8 +3372,8 @@
         </p:blipFill>
         <p:spPr>
           <a:xfrm>
-            <a:off x="30960" y="2009160"/>
-            <a:ext cx="6095520" cy="4571640"/>
+            <a:off x="0" y="2009160"/>
+            <a:ext cx="6095160" cy="4571280"/>
           </a:xfrm>
           <a:prstGeom prst="rect">
             <a:avLst/>
@@ -3392,8 +3395,8 @@
         </p:blipFill>
         <p:spPr>
           <a:xfrm>
-            <a:off x="5964480" y="2091600"/>
-            <a:ext cx="5847840" cy="4381200"/>
+            <a:off x="6344640" y="2091600"/>
+            <a:ext cx="5847480" cy="4380840"/>
           </a:xfrm>
           <a:prstGeom prst="rect">
             <a:avLst/>
@@ -3461,7 +3464,7 @@
         <p:spPr>
           <a:xfrm>
             <a:off x="838080" y="365040"/>
-            <a:ext cx="10514880" cy="1324800"/>
+            <a:ext cx="10514520" cy="1324440"/>
           </a:xfrm>
           <a:prstGeom prst="rect">
             <a:avLst/>
@@ -3491,6 +3494,7 @@
                   <a:srgbClr val="000000"/>
                 </a:solidFill>
                 <a:latin typeface="Calibri Light"/>
+                <a:ea typeface="DejaVu Sans"/>
               </a:rPr>
               <a:t>Phonon Momentum Magnitude Distribution</a:t>
             </a:r>
@@ -3512,8 +3516,8 @@
         </p:blipFill>
         <p:spPr>
           <a:xfrm>
-            <a:off x="6035040" y="2103120"/>
-            <a:ext cx="5847480" cy="4380840"/>
+            <a:off x="6345000" y="2103120"/>
+            <a:ext cx="5847120" cy="4380480"/>
           </a:xfrm>
           <a:prstGeom prst="rect">
             <a:avLst/>
@@ -3535,8 +3539,8 @@
         </p:blipFill>
         <p:spPr>
           <a:xfrm>
-            <a:off x="91440" y="1976040"/>
-            <a:ext cx="6095520" cy="4571640"/>
+            <a:off x="0" y="1976040"/>
+            <a:ext cx="6095160" cy="4571280"/>
           </a:xfrm>
           <a:prstGeom prst="rect">
             <a:avLst/>
@@ -3555,6 +3559,317 @@
           <p:childTnLst>
             <p:seq>
               <p:cTn id="6" nodeType="mainSeq"/>
+              <p:prevCondLst>
+                <p:cond delay="0" evt="onPrev">
+                  <p:tgtEl>
+                    <p:sldTgt/>
+                  </p:tgtEl>
+                </p:cond>
+              </p:prevCondLst>
+              <p:nextCondLst>
+                <p:cond delay="0" evt="onNext">
+                  <p:tgtEl>
+                    <p:sldTgt/>
+                  </p:tgtEl>
+                </p:cond>
+              </p:nextCondLst>
+            </p:seq>
+          </p:childTnLst>
+        </p:cTn>
+      </p:par>
+    </p:tnLst>
+  </p:timing>
+</p:sld>
+</file>
+
+<file path=ppt/slides/slide4.xml><?xml version="1.0" encoding="utf-8"?>
+<p:sld xmlns:a="http://schemas.openxmlformats.org/drawingml/2006/main" xmlns:p="http://schemas.openxmlformats.org/presentationml/2006/main" xmlns:r="http://schemas.openxmlformats.org/officeDocument/2006/relationships" xmlns:p14="http://schemas.microsoft.com/office/powerpoint/2010/main" xmlns:p15="http://schemas.microsoft.com/office/powerpoint/2012/main" xmlns:mc="http://schemas.openxmlformats.org/markup-compatibility/2006">
+  <p:cSld>
+    <p:spTree>
+      <p:nvGrpSpPr>
+        <p:cNvPr id="1" name=""/>
+        <p:cNvGrpSpPr/>
+        <p:nvPr/>
+      </p:nvGrpSpPr>
+      <p:grpSpPr>
+        <a:xfrm>
+          <a:off x="0" y="0"/>
+          <a:ext cx="0" cy="0"/>
+          <a:chOff x="0" y="0"/>
+          <a:chExt cx="0" cy="0"/>
+        </a:xfrm>
+      </p:grpSpPr>
+      <p:sp>
+        <p:nvSpPr>
+          <p:cNvPr id="83" name="CustomShape 1"/>
+          <p:cNvSpPr/>
+          <p:nvPr/>
+        </p:nvSpPr>
+        <p:spPr>
+          <a:xfrm>
+            <a:off x="838080" y="365040"/>
+            <a:ext cx="10514520" cy="1324440"/>
+          </a:xfrm>
+          <a:prstGeom prst="rect">
+            <a:avLst/>
+          </a:prstGeom>
+          <a:noFill/>
+          <a:ln>
+            <a:noFill/>
+          </a:ln>
+        </p:spPr>
+        <p:style>
+          <a:lnRef idx="0"/>
+          <a:fillRef idx="0"/>
+          <a:effectRef idx="0"/>
+          <a:fontRef idx="minor"/>
+        </p:style>
+        <p:txBody>
+          <a:bodyPr lIns="90000" rIns="90000" tIns="45000" bIns="45000" anchor="ctr"/>
+          <a:p>
+            <a:pPr algn="ctr">
+              <a:lnSpc>
+                <a:spcPct val="100000"/>
+              </a:lnSpc>
+            </a:pPr>
+            <a:r>
+              <a:rPr b="0" lang="en-US" sz="4400" spc="-1" strike="noStrike">
+                <a:solidFill>
+                  <a:srgbClr val="000000"/>
+                </a:solidFill>
+                <a:latin typeface="Calibri Light"/>
+                <a:ea typeface="DejaVu Sans"/>
+              </a:rPr>
+              <a:t>Impurity Momentum Slice Distributions</a:t>
+            </a:r>
+            <a:endParaRPr b="0" lang="en-US" sz="4400" spc="-1" strike="noStrike">
+              <a:latin typeface="Arial"/>
+            </a:endParaRPr>
+          </a:p>
+        </p:txBody>
+      </p:sp>
+      <p:pic>
+        <p:nvPicPr>
+          <p:cNvPr id="84" name="" descr=""/>
+          <p:cNvPicPr/>
+          <p:nvPr/>
+        </p:nvPicPr>
+        <p:blipFill>
+          <a:blip r:embed=""/>
+          <a:stretch/>
+        </p:blipFill>
+        <p:spPr>
+          <a:xfrm>
+            <a:off x="7680960" y="1828800"/>
+            <a:ext cx="3378960" cy="2531520"/>
+          </a:xfrm>
+          <a:prstGeom prst="rect">
+            <a:avLst/>
+          </a:prstGeom>
+          <a:ln>
+            <a:noFill/>
+          </a:ln>
+        </p:spPr>
+      </p:pic>
+      <p:pic>
+        <p:nvPicPr>
+          <p:cNvPr id="85" name="" descr=""/>
+          <p:cNvPicPr/>
+          <p:nvPr/>
+        </p:nvPicPr>
+        <p:blipFill>
+          <a:blip r:embed=""/>
+          <a:stretch/>
+        </p:blipFill>
+        <p:spPr>
+          <a:xfrm>
+            <a:off x="7680960" y="4297680"/>
+            <a:ext cx="3417480" cy="2560320"/>
+          </a:xfrm>
+          <a:prstGeom prst="rect">
+            <a:avLst/>
+          </a:prstGeom>
+          <a:ln>
+            <a:noFill/>
+          </a:ln>
+        </p:spPr>
+      </p:pic>
+      <p:pic>
+        <p:nvPicPr>
+          <p:cNvPr id="86" name="" descr=""/>
+          <p:cNvPicPr/>
+          <p:nvPr/>
+        </p:nvPicPr>
+        <p:blipFill>
+          <a:blip r:embed="rId1"/>
+          <a:stretch/>
+        </p:blipFill>
+        <p:spPr>
+          <a:xfrm>
+            <a:off x="728640" y="2055240"/>
+            <a:ext cx="3477600" cy="2608200"/>
+          </a:xfrm>
+          <a:prstGeom prst="rect">
+            <a:avLst/>
+          </a:prstGeom>
+          <a:ln>
+            <a:noFill/>
+          </a:ln>
+        </p:spPr>
+      </p:pic>
+    </p:spTree>
+  </p:cSld>
+  <p:timing>
+    <p:tnLst>
+      <p:par>
+        <p:cTn id="7" dur="indefinite" restart="never" nodeType="tmRoot">
+          <p:childTnLst>
+            <p:seq>
+              <p:cTn id="8" nodeType="mainSeq"/>
+              <p:prevCondLst>
+                <p:cond delay="0" evt="onPrev">
+                  <p:tgtEl>
+                    <p:sldTgt/>
+                  </p:tgtEl>
+                </p:cond>
+              </p:prevCondLst>
+              <p:nextCondLst>
+                <p:cond delay="0" evt="onNext">
+                  <p:tgtEl>
+                    <p:sldTgt/>
+                  </p:tgtEl>
+                </p:cond>
+              </p:nextCondLst>
+            </p:seq>
+          </p:childTnLst>
+        </p:cTn>
+      </p:par>
+    </p:tnLst>
+  </p:timing>
+</p:sld>
+</file>
+
+<file path=ppt/slides/slide5.xml><?xml version="1.0" encoding="utf-8"?>
+<p:sld xmlns:a="http://schemas.openxmlformats.org/drawingml/2006/main" xmlns:p="http://schemas.openxmlformats.org/presentationml/2006/main" xmlns:r="http://schemas.openxmlformats.org/officeDocument/2006/relationships" xmlns:p14="http://schemas.microsoft.com/office/powerpoint/2010/main" xmlns:p15="http://schemas.microsoft.com/office/powerpoint/2012/main" xmlns:mc="http://schemas.openxmlformats.org/markup-compatibility/2006">
+  <p:cSld>
+    <p:spTree>
+      <p:nvGrpSpPr>
+        <p:cNvPr id="1" name=""/>
+        <p:cNvGrpSpPr/>
+        <p:nvPr/>
+      </p:nvGrpSpPr>
+      <p:grpSpPr>
+        <a:xfrm>
+          <a:off x="0" y="0"/>
+          <a:ext cx="0" cy="0"/>
+          <a:chOff x="0" y="0"/>
+          <a:chExt cx="0" cy="0"/>
+        </a:xfrm>
+      </p:grpSpPr>
+      <p:sp>
+        <p:nvSpPr>
+          <p:cNvPr id="87" name="CustomShape 1"/>
+          <p:cNvSpPr/>
+          <p:nvPr/>
+        </p:nvSpPr>
+        <p:spPr>
+          <a:xfrm>
+            <a:off x="838080" y="365040"/>
+            <a:ext cx="10514520" cy="1324440"/>
+          </a:xfrm>
+          <a:prstGeom prst="rect">
+            <a:avLst/>
+          </a:prstGeom>
+          <a:noFill/>
+          <a:ln>
+            <a:noFill/>
+          </a:ln>
+        </p:spPr>
+        <p:style>
+          <a:lnRef idx="0"/>
+          <a:fillRef idx="0"/>
+          <a:effectRef idx="0"/>
+          <a:fontRef idx="minor"/>
+        </p:style>
+        <p:txBody>
+          <a:bodyPr lIns="90000" rIns="90000" tIns="45000" bIns="45000" anchor="ctr"/>
+          <a:p>
+            <a:pPr algn="ctr">
+              <a:lnSpc>
+                <a:spcPct val="100000"/>
+              </a:lnSpc>
+            </a:pPr>
+            <a:r>
+              <a:rPr b="0" lang="en-US" sz="4400" spc="-1" strike="noStrike">
+                <a:solidFill>
+                  <a:srgbClr val="000000"/>
+                </a:solidFill>
+                <a:latin typeface="Calibri Light"/>
+                <a:ea typeface="DejaVu Sans"/>
+              </a:rPr>
+              <a:t>Phonon Momentum Slice Distributions</a:t>
+            </a:r>
+            <a:endParaRPr b="0" lang="en-US" sz="4400" spc="-1" strike="noStrike">
+              <a:latin typeface="Arial"/>
+            </a:endParaRPr>
+          </a:p>
+        </p:txBody>
+      </p:sp>
+      <p:pic>
+        <p:nvPicPr>
+          <p:cNvPr id="88" name="" descr=""/>
+          <p:cNvPicPr/>
+          <p:nvPr/>
+        </p:nvPicPr>
+        <p:blipFill>
+          <a:blip r:embed=""/>
+          <a:stretch/>
+        </p:blipFill>
+        <p:spPr>
+          <a:xfrm>
+            <a:off x="7658640" y="1792800"/>
+            <a:ext cx="3417480" cy="2560320"/>
+          </a:xfrm>
+          <a:prstGeom prst="rect">
+            <a:avLst/>
+          </a:prstGeom>
+          <a:ln>
+            <a:noFill/>
+          </a:ln>
+        </p:spPr>
+      </p:pic>
+      <p:pic>
+        <p:nvPicPr>
+          <p:cNvPr id="89" name="" descr=""/>
+          <p:cNvPicPr/>
+          <p:nvPr/>
+        </p:nvPicPr>
+        <p:blipFill>
+          <a:blip r:embed=""/>
+          <a:stretch/>
+        </p:blipFill>
+        <p:spPr>
+          <a:xfrm>
+            <a:off x="7632000" y="4277520"/>
+            <a:ext cx="3474720" cy="2603160"/>
+          </a:xfrm>
+          <a:prstGeom prst="rect">
+            <a:avLst/>
+          </a:prstGeom>
+          <a:ln>
+            <a:noFill/>
+          </a:ln>
+        </p:spPr>
+      </p:pic>
+    </p:spTree>
+  </p:cSld>
+  <p:timing>
+    <p:tnLst>
+      <p:par>
+        <p:cTn id="9" dur="indefinite" restart="never" nodeType="tmRoot">
+          <p:childTnLst>
+            <p:seq>
+              <p:cTn id="10" nodeType="mainSeq"/>
               <p:prevCondLst>
                 <p:cond delay="0" evt="onPrev">
                   <p:tgtEl>
